--- a/doc/Implementation.pptx
+++ b/doc/Implementation.pptx
@@ -4,14 +4,18 @@
   <p:sldMasterIdLst>
     <p:sldMasterId id="2147483648" r:id="rId1"/>
   </p:sldMasterIdLst>
+  <p:notesMasterIdLst>
+    <p:notesMasterId r:id="rId10"/>
+  </p:notesMasterIdLst>
   <p:sldIdLst>
     <p:sldId id="257" r:id="rId2"/>
-    <p:sldId id="258" r:id="rId3"/>
-    <p:sldId id="259" r:id="rId4"/>
-    <p:sldId id="260" r:id="rId5"/>
-    <p:sldId id="261" r:id="rId6"/>
-    <p:sldId id="262" r:id="rId7"/>
-    <p:sldId id="263" r:id="rId8"/>
+    <p:sldId id="264" r:id="rId3"/>
+    <p:sldId id="265" r:id="rId4"/>
+    <p:sldId id="266" r:id="rId5"/>
+    <p:sldId id="267" r:id="rId6"/>
+    <p:sldId id="268" r:id="rId7"/>
+    <p:sldId id="269" r:id="rId8"/>
+    <p:sldId id="271" r:id="rId9"/>
   </p:sldIdLst>
   <p:sldSz cx="9144000" cy="6858000" type="screen4x3"/>
   <p:notesSz cx="6858000" cy="9144000"/>
@@ -113,6 +117,450 @@
 </p:presentation>
 </file>
 
+<file path=ppt/notesMasters/notesMaster1.xml><?xml version="1.0" encoding="utf-8"?>
+<p:notesMaster xmlns:a="http://schemas.openxmlformats.org/drawingml/2006/main" xmlns:r="http://schemas.openxmlformats.org/officeDocument/2006/relationships" xmlns:p="http://schemas.openxmlformats.org/presentationml/2006/main">
+  <p:cSld>
+    <p:bg>
+      <p:bgRef idx="1001">
+        <a:schemeClr val="bg1"/>
+      </p:bgRef>
+    </p:bg>
+    <p:spTree>
+      <p:nvGrpSpPr>
+        <p:cNvPr id="1" name=""/>
+        <p:cNvGrpSpPr/>
+        <p:nvPr/>
+      </p:nvGrpSpPr>
+      <p:grpSpPr>
+        <a:xfrm>
+          <a:off x="0" y="0"/>
+          <a:ext cx="0" cy="0"/>
+          <a:chOff x="0" y="0"/>
+          <a:chExt cx="0" cy="0"/>
+        </a:xfrm>
+      </p:grpSpPr>
+      <p:sp>
+        <p:nvSpPr>
+          <p:cNvPr id="2" name="Header Placeholder 1"/>
+          <p:cNvSpPr>
+            <a:spLocks noGrp="1"/>
+          </p:cNvSpPr>
+          <p:nvPr>
+            <p:ph type="hdr" sz="quarter"/>
+          </p:nvPr>
+        </p:nvSpPr>
+        <p:spPr>
+          <a:xfrm>
+            <a:off x="0" y="0"/>
+            <a:ext cx="2971800" cy="457200"/>
+          </a:xfrm>
+          <a:prstGeom prst="rect">
+            <a:avLst/>
+          </a:prstGeom>
+        </p:spPr>
+        <p:txBody>
+          <a:bodyPr vert="horz" lIns="91440" tIns="45720" rIns="91440" bIns="45720" rtlCol="0"/>
+          <a:lstStyle>
+            <a:lvl1pPr algn="l">
+              <a:defRPr sz="1200"/>
+            </a:lvl1pPr>
+          </a:lstStyle>
+          <a:p>
+            <a:endParaRPr lang="en-US"/>
+          </a:p>
+        </p:txBody>
+      </p:sp>
+      <p:sp>
+        <p:nvSpPr>
+          <p:cNvPr id="3" name="Date Placeholder 2"/>
+          <p:cNvSpPr>
+            <a:spLocks noGrp="1"/>
+          </p:cNvSpPr>
+          <p:nvPr>
+            <p:ph type="dt" idx="1"/>
+          </p:nvPr>
+        </p:nvSpPr>
+        <p:spPr>
+          <a:xfrm>
+            <a:off x="3884613" y="0"/>
+            <a:ext cx="2971800" cy="457200"/>
+          </a:xfrm>
+          <a:prstGeom prst="rect">
+            <a:avLst/>
+          </a:prstGeom>
+        </p:spPr>
+        <p:txBody>
+          <a:bodyPr vert="horz" lIns="91440" tIns="45720" rIns="91440" bIns="45720" rtlCol="0"/>
+          <a:lstStyle>
+            <a:lvl1pPr algn="r">
+              <a:defRPr sz="1200"/>
+            </a:lvl1pPr>
+          </a:lstStyle>
+          <a:p>
+            <a:fld id="{018C5000-1232-B84E-A5C8-294FEA53B9DD}" type="datetimeFigureOut">
+              <a:rPr lang="en-US" smtClean="0"/>
+              <a:t>4/29/15</a:t>
+            </a:fld>
+            <a:endParaRPr lang="en-US"/>
+          </a:p>
+        </p:txBody>
+      </p:sp>
+      <p:sp>
+        <p:nvSpPr>
+          <p:cNvPr id="4" name="Slide Image Placeholder 3"/>
+          <p:cNvSpPr>
+            <a:spLocks noGrp="1" noRot="1" noChangeAspect="1"/>
+          </p:cNvSpPr>
+          <p:nvPr>
+            <p:ph type="sldImg" idx="2"/>
+          </p:nvPr>
+        </p:nvSpPr>
+        <p:spPr>
+          <a:xfrm>
+            <a:off x="1143000" y="685800"/>
+            <a:ext cx="4572000" cy="3429000"/>
+          </a:xfrm>
+          <a:prstGeom prst="rect">
+            <a:avLst/>
+          </a:prstGeom>
+          <a:noFill/>
+          <a:ln w="12700">
+            <a:solidFill>
+              <a:prstClr val="black"/>
+            </a:solidFill>
+          </a:ln>
+        </p:spPr>
+        <p:txBody>
+          <a:bodyPr vert="horz" lIns="91440" tIns="45720" rIns="91440" bIns="45720" rtlCol="0" anchor="ctr"/>
+          <a:lstStyle/>
+          <a:p>
+            <a:endParaRPr lang="en-US"/>
+          </a:p>
+        </p:txBody>
+      </p:sp>
+      <p:sp>
+        <p:nvSpPr>
+          <p:cNvPr id="5" name="Notes Placeholder 4"/>
+          <p:cNvSpPr>
+            <a:spLocks noGrp="1"/>
+          </p:cNvSpPr>
+          <p:nvPr>
+            <p:ph type="body" sz="quarter" idx="3"/>
+          </p:nvPr>
+        </p:nvSpPr>
+        <p:spPr>
+          <a:xfrm>
+            <a:off x="685800" y="4343400"/>
+            <a:ext cx="5486400" cy="4114800"/>
+          </a:xfrm>
+          <a:prstGeom prst="rect">
+            <a:avLst/>
+          </a:prstGeom>
+        </p:spPr>
+        <p:txBody>
+          <a:bodyPr vert="horz" lIns="91440" tIns="45720" rIns="91440" bIns="45720" rtlCol="0"/>
+          <a:lstStyle/>
+          <a:p>
+            <a:pPr lvl="0"/>
+            <a:r>
+              <a:rPr lang="en-US" smtClean="0"/>
+              <a:t>Click to edit Master text styles</a:t>
+            </a:r>
+          </a:p>
+          <a:p>
+            <a:pPr lvl="1"/>
+            <a:r>
+              <a:rPr lang="en-US" smtClean="0"/>
+              <a:t>Second level</a:t>
+            </a:r>
+          </a:p>
+          <a:p>
+            <a:pPr lvl="2"/>
+            <a:r>
+              <a:rPr lang="en-US" smtClean="0"/>
+              <a:t>Third level</a:t>
+            </a:r>
+          </a:p>
+          <a:p>
+            <a:pPr lvl="3"/>
+            <a:r>
+              <a:rPr lang="en-US" smtClean="0"/>
+              <a:t>Fourth level</a:t>
+            </a:r>
+          </a:p>
+          <a:p>
+            <a:pPr lvl="4"/>
+            <a:r>
+              <a:rPr lang="en-US" smtClean="0"/>
+              <a:t>Fifth level</a:t>
+            </a:r>
+            <a:endParaRPr lang="en-US"/>
+          </a:p>
+        </p:txBody>
+      </p:sp>
+      <p:sp>
+        <p:nvSpPr>
+          <p:cNvPr id="6" name="Footer Placeholder 5"/>
+          <p:cNvSpPr>
+            <a:spLocks noGrp="1"/>
+          </p:cNvSpPr>
+          <p:nvPr>
+            <p:ph type="ftr" sz="quarter" idx="4"/>
+          </p:nvPr>
+        </p:nvSpPr>
+        <p:spPr>
+          <a:xfrm>
+            <a:off x="0" y="8685213"/>
+            <a:ext cx="2971800" cy="457200"/>
+          </a:xfrm>
+          <a:prstGeom prst="rect">
+            <a:avLst/>
+          </a:prstGeom>
+        </p:spPr>
+        <p:txBody>
+          <a:bodyPr vert="horz" lIns="91440" tIns="45720" rIns="91440" bIns="45720" rtlCol="0" anchor="b"/>
+          <a:lstStyle>
+            <a:lvl1pPr algn="l">
+              <a:defRPr sz="1200"/>
+            </a:lvl1pPr>
+          </a:lstStyle>
+          <a:p>
+            <a:endParaRPr lang="en-US"/>
+          </a:p>
+        </p:txBody>
+      </p:sp>
+      <p:sp>
+        <p:nvSpPr>
+          <p:cNvPr id="7" name="Slide Number Placeholder 6"/>
+          <p:cNvSpPr>
+            <a:spLocks noGrp="1"/>
+          </p:cNvSpPr>
+          <p:nvPr>
+            <p:ph type="sldNum" sz="quarter" idx="5"/>
+          </p:nvPr>
+        </p:nvSpPr>
+        <p:spPr>
+          <a:xfrm>
+            <a:off x="3884613" y="8685213"/>
+            <a:ext cx="2971800" cy="457200"/>
+          </a:xfrm>
+          <a:prstGeom prst="rect">
+            <a:avLst/>
+          </a:prstGeom>
+        </p:spPr>
+        <p:txBody>
+          <a:bodyPr vert="horz" lIns="91440" tIns="45720" rIns="91440" bIns="45720" rtlCol="0" anchor="b"/>
+          <a:lstStyle>
+            <a:lvl1pPr algn="r">
+              <a:defRPr sz="1200"/>
+            </a:lvl1pPr>
+          </a:lstStyle>
+          <a:p>
+            <a:fld id="{8E404C80-46A1-9349-AD9D-0477EBD61996}" type="slidenum">
+              <a:rPr lang="en-US" smtClean="0"/>
+              <a:t>‹#›</a:t>
+            </a:fld>
+            <a:endParaRPr lang="en-US"/>
+          </a:p>
+        </p:txBody>
+      </p:sp>
+    </p:spTree>
+    <p:extLst>
+      <p:ext uri="{BB962C8B-B14F-4D97-AF65-F5344CB8AC3E}">
+        <p14:creationId xmlns:p14="http://schemas.microsoft.com/office/powerpoint/2010/main" val="4110341480"/>
+      </p:ext>
+    </p:extLst>
+  </p:cSld>
+  <p:clrMap bg1="lt1" tx1="dk1" bg2="lt2" tx2="dk2" accent1="accent1" accent2="accent2" accent3="accent3" accent4="accent4" accent5="accent5" accent6="accent6" hlink="hlink" folHlink="folHlink"/>
+  <p:notesStyle>
+    <a:lvl1pPr marL="0" algn="l" defTabSz="457200" rtl="0" eaLnBrk="1" latinLnBrk="0" hangingPunct="1">
+      <a:defRPr sz="1200" kern="1200">
+        <a:solidFill>
+          <a:schemeClr val="tx1"/>
+        </a:solidFill>
+        <a:latin typeface="+mn-lt"/>
+        <a:ea typeface="+mn-ea"/>
+        <a:cs typeface="+mn-cs"/>
+      </a:defRPr>
+    </a:lvl1pPr>
+    <a:lvl2pPr marL="457200" algn="l" defTabSz="457200" rtl="0" eaLnBrk="1" latinLnBrk="0" hangingPunct="1">
+      <a:defRPr sz="1200" kern="1200">
+        <a:solidFill>
+          <a:schemeClr val="tx1"/>
+        </a:solidFill>
+        <a:latin typeface="+mn-lt"/>
+        <a:ea typeface="+mn-ea"/>
+        <a:cs typeface="+mn-cs"/>
+      </a:defRPr>
+    </a:lvl2pPr>
+    <a:lvl3pPr marL="914400" algn="l" defTabSz="457200" rtl="0" eaLnBrk="1" latinLnBrk="0" hangingPunct="1">
+      <a:defRPr sz="1200" kern="1200">
+        <a:solidFill>
+          <a:schemeClr val="tx1"/>
+        </a:solidFill>
+        <a:latin typeface="+mn-lt"/>
+        <a:ea typeface="+mn-ea"/>
+        <a:cs typeface="+mn-cs"/>
+      </a:defRPr>
+    </a:lvl3pPr>
+    <a:lvl4pPr marL="1371600" algn="l" defTabSz="457200" rtl="0" eaLnBrk="1" latinLnBrk="0" hangingPunct="1">
+      <a:defRPr sz="1200" kern="1200">
+        <a:solidFill>
+          <a:schemeClr val="tx1"/>
+        </a:solidFill>
+        <a:latin typeface="+mn-lt"/>
+        <a:ea typeface="+mn-ea"/>
+        <a:cs typeface="+mn-cs"/>
+      </a:defRPr>
+    </a:lvl4pPr>
+    <a:lvl5pPr marL="1828800" algn="l" defTabSz="457200" rtl="0" eaLnBrk="1" latinLnBrk="0" hangingPunct="1">
+      <a:defRPr sz="1200" kern="1200">
+        <a:solidFill>
+          <a:schemeClr val="tx1"/>
+        </a:solidFill>
+        <a:latin typeface="+mn-lt"/>
+        <a:ea typeface="+mn-ea"/>
+        <a:cs typeface="+mn-cs"/>
+      </a:defRPr>
+    </a:lvl5pPr>
+    <a:lvl6pPr marL="2286000" algn="l" defTabSz="457200" rtl="0" eaLnBrk="1" latinLnBrk="0" hangingPunct="1">
+      <a:defRPr sz="1200" kern="1200">
+        <a:solidFill>
+          <a:schemeClr val="tx1"/>
+        </a:solidFill>
+        <a:latin typeface="+mn-lt"/>
+        <a:ea typeface="+mn-ea"/>
+        <a:cs typeface="+mn-cs"/>
+      </a:defRPr>
+    </a:lvl6pPr>
+    <a:lvl7pPr marL="2743200" algn="l" defTabSz="457200" rtl="0" eaLnBrk="1" latinLnBrk="0" hangingPunct="1">
+      <a:defRPr sz="1200" kern="1200">
+        <a:solidFill>
+          <a:schemeClr val="tx1"/>
+        </a:solidFill>
+        <a:latin typeface="+mn-lt"/>
+        <a:ea typeface="+mn-ea"/>
+        <a:cs typeface="+mn-cs"/>
+      </a:defRPr>
+    </a:lvl7pPr>
+    <a:lvl8pPr marL="3200400" algn="l" defTabSz="457200" rtl="0" eaLnBrk="1" latinLnBrk="0" hangingPunct="1">
+      <a:defRPr sz="1200" kern="1200">
+        <a:solidFill>
+          <a:schemeClr val="tx1"/>
+        </a:solidFill>
+        <a:latin typeface="+mn-lt"/>
+        <a:ea typeface="+mn-ea"/>
+        <a:cs typeface="+mn-cs"/>
+      </a:defRPr>
+    </a:lvl8pPr>
+    <a:lvl9pPr marL="3657600" algn="l" defTabSz="457200" rtl="0" eaLnBrk="1" latinLnBrk="0" hangingPunct="1">
+      <a:defRPr sz="1200" kern="1200">
+        <a:solidFill>
+          <a:schemeClr val="tx1"/>
+        </a:solidFill>
+        <a:latin typeface="+mn-lt"/>
+        <a:ea typeface="+mn-ea"/>
+        <a:cs typeface="+mn-cs"/>
+      </a:defRPr>
+    </a:lvl9pPr>
+  </p:notesStyle>
+</p:notesMaster>
+</file>
+
+<file path=ppt/notesSlides/notesSlide1.xml><?xml version="1.0" encoding="utf-8"?>
+<p:notes xmlns:a="http://schemas.openxmlformats.org/drawingml/2006/main" xmlns:r="http://schemas.openxmlformats.org/officeDocument/2006/relationships" xmlns:p="http://schemas.openxmlformats.org/presentationml/2006/main">
+  <p:cSld>
+    <p:spTree>
+      <p:nvGrpSpPr>
+        <p:cNvPr id="1" name=""/>
+        <p:cNvGrpSpPr/>
+        <p:nvPr/>
+      </p:nvGrpSpPr>
+      <p:grpSpPr>
+        <a:xfrm>
+          <a:off x="0" y="0"/>
+          <a:ext cx="0" cy="0"/>
+          <a:chOff x="0" y="0"/>
+          <a:chExt cx="0" cy="0"/>
+        </a:xfrm>
+      </p:grpSpPr>
+      <p:sp>
+        <p:nvSpPr>
+          <p:cNvPr id="2" name="Slide Image Placeholder 1"/>
+          <p:cNvSpPr>
+            <a:spLocks noGrp="1" noRot="1" noChangeAspect="1"/>
+          </p:cNvSpPr>
+          <p:nvPr>
+            <p:ph type="sldImg"/>
+          </p:nvPr>
+        </p:nvSpPr>
+        <p:spPr/>
+      </p:sp>
+      <p:sp>
+        <p:nvSpPr>
+          <p:cNvPr id="3" name="Notes Placeholder 2"/>
+          <p:cNvSpPr>
+            <a:spLocks noGrp="1"/>
+          </p:cNvSpPr>
+          <p:nvPr>
+            <p:ph type="body" idx="1"/>
+          </p:nvPr>
+        </p:nvSpPr>
+        <p:spPr/>
+        <p:txBody>
+          <a:bodyPr>
+            <a:normAutofit/>
+          </a:bodyPr>
+          <a:lstStyle/>
+          <a:p>
+            <a:r>
+              <a:rPr lang="en-US" dirty="0" smtClean="0"/>
+              <a:t>Both are generated by</a:t>
+            </a:r>
+            <a:r>
+              <a:rPr lang="en-US" baseline="0" dirty="0" smtClean="0"/>
+              <a:t> ANTLR  and both support the Array </a:t>
+            </a:r>
+            <a:r>
+              <a:rPr lang="en-US" baseline="0" dirty="0" err="1" smtClean="0"/>
+              <a:t>datatype</a:t>
+            </a:r>
+            <a:endParaRPr lang="en-US" dirty="0"/>
+          </a:p>
+        </p:txBody>
+      </p:sp>
+      <p:sp>
+        <p:nvSpPr>
+          <p:cNvPr id="4" name="Slide Number Placeholder 3"/>
+          <p:cNvSpPr>
+            <a:spLocks noGrp="1"/>
+          </p:cNvSpPr>
+          <p:nvPr>
+            <p:ph type="sldNum" sz="quarter" idx="10"/>
+          </p:nvPr>
+        </p:nvSpPr>
+        <p:spPr/>
+        <p:txBody>
+          <a:bodyPr/>
+          <a:lstStyle/>
+          <a:p>
+            <a:fld id="{F328E7F9-0797-48F6-9927-148712609454}" type="slidenum">
+              <a:rPr lang="en-US" smtClean="0"/>
+              <a:pPr/>
+              <a:t>2</a:t>
+            </a:fld>
+            <a:endParaRPr lang="en-US"/>
+          </a:p>
+        </p:txBody>
+      </p:sp>
+    </p:spTree>
+  </p:cSld>
+  <p:clrMapOvr>
+    <a:masterClrMapping/>
+  </p:clrMapOvr>
+</p:notes>
+</file>
+
 <file path=ppt/slideLayouts/slideLayout1.xml><?xml version="1.0" encoding="utf-8"?>
 <p:sldLayout xmlns:a="http://schemas.openxmlformats.org/drawingml/2006/main" xmlns:r="http://schemas.openxmlformats.org/officeDocument/2006/relationships" xmlns:p="http://schemas.openxmlformats.org/presentationml/2006/main" type="title" preserve="1">
   <p:cSld name="Title Slide">
@@ -295,7 +743,7 @@
             <a:fld id="{1D8BD707-D9CF-40AE-B4C6-C98DA3205C09}" type="datetimeFigureOut">
               <a:rPr lang="en-US" smtClean="0"/>
               <a:pPr/>
-              <a:t>4/29/2015</a:t>
+              <a:t>4/29/15</a:t>
             </a:fld>
             <a:endParaRPr lang="en-US"/>
           </a:p>
@@ -462,7 +910,7 @@
             <a:fld id="{1D8BD707-D9CF-40AE-B4C6-C98DA3205C09}" type="datetimeFigureOut">
               <a:rPr lang="en-US" smtClean="0"/>
               <a:pPr/>
-              <a:t>4/29/2015</a:t>
+              <a:t>4/29/15</a:t>
             </a:fld>
             <a:endParaRPr lang="en-US"/>
           </a:p>
@@ -639,7 +1087,7 @@
             <a:fld id="{1D8BD707-D9CF-40AE-B4C6-C98DA3205C09}" type="datetimeFigureOut">
               <a:rPr lang="en-US" smtClean="0"/>
               <a:pPr/>
-              <a:t>4/29/2015</a:t>
+              <a:t>4/29/15</a:t>
             </a:fld>
             <a:endParaRPr lang="en-US"/>
           </a:p>
@@ -806,7 +1254,7 @@
             <a:fld id="{1D8BD707-D9CF-40AE-B4C6-C98DA3205C09}" type="datetimeFigureOut">
               <a:rPr lang="en-US" smtClean="0"/>
               <a:pPr/>
-              <a:t>4/29/2015</a:t>
+              <a:t>4/29/15</a:t>
             </a:fld>
             <a:endParaRPr lang="en-US"/>
           </a:p>
@@ -1049,7 +1497,7 @@
             <a:fld id="{1D8BD707-D9CF-40AE-B4C6-C98DA3205C09}" type="datetimeFigureOut">
               <a:rPr lang="en-US" smtClean="0"/>
               <a:pPr/>
-              <a:t>4/29/2015</a:t>
+              <a:t>4/29/15</a:t>
             </a:fld>
             <a:endParaRPr lang="en-US"/>
           </a:p>
@@ -1334,7 +1782,7 @@
             <a:fld id="{1D8BD707-D9CF-40AE-B4C6-C98DA3205C09}" type="datetimeFigureOut">
               <a:rPr lang="en-US" smtClean="0"/>
               <a:pPr/>
-              <a:t>4/29/2015</a:t>
+              <a:t>4/29/15</a:t>
             </a:fld>
             <a:endParaRPr lang="en-US"/>
           </a:p>
@@ -1753,7 +2201,7 @@
             <a:fld id="{1D8BD707-D9CF-40AE-B4C6-C98DA3205C09}" type="datetimeFigureOut">
               <a:rPr lang="en-US" smtClean="0"/>
               <a:pPr/>
-              <a:t>4/29/2015</a:t>
+              <a:t>4/29/15</a:t>
             </a:fld>
             <a:endParaRPr lang="en-US"/>
           </a:p>
@@ -1868,7 +2316,7 @@
             <a:fld id="{1D8BD707-D9CF-40AE-B4C6-C98DA3205C09}" type="datetimeFigureOut">
               <a:rPr lang="en-US" smtClean="0"/>
               <a:pPr/>
-              <a:t>4/29/2015</a:t>
+              <a:t>4/29/15</a:t>
             </a:fld>
             <a:endParaRPr lang="en-US"/>
           </a:p>
@@ -1960,7 +2408,7 @@
             <a:fld id="{1D8BD707-D9CF-40AE-B4C6-C98DA3205C09}" type="datetimeFigureOut">
               <a:rPr lang="en-US" smtClean="0"/>
               <a:pPr/>
-              <a:t>4/29/2015</a:t>
+              <a:t>4/29/15</a:t>
             </a:fld>
             <a:endParaRPr lang="en-US"/>
           </a:p>
@@ -2234,7 +2682,7 @@
             <a:fld id="{1D8BD707-D9CF-40AE-B4C6-C98DA3205C09}" type="datetimeFigureOut">
               <a:rPr lang="en-US" smtClean="0"/>
               <a:pPr/>
-              <a:t>4/29/2015</a:t>
+              <a:t>4/29/15</a:t>
             </a:fld>
             <a:endParaRPr lang="en-US"/>
           </a:p>
@@ -2484,7 +2932,7 @@
             <a:fld id="{1D8BD707-D9CF-40AE-B4C6-C98DA3205C09}" type="datetimeFigureOut">
               <a:rPr lang="en-US" smtClean="0"/>
               <a:pPr/>
-              <a:t>4/29/2015</a:t>
+              <a:t>4/29/15</a:t>
             </a:fld>
             <a:endParaRPr lang="en-US"/>
           </a:p>
@@ -2694,7 +3142,7 @@
             <a:fld id="{1D8BD707-D9CF-40AE-B4C6-C98DA3205C09}" type="datetimeFigureOut">
               <a:rPr lang="en-US" smtClean="0"/>
               <a:pPr/>
-              <a:t>4/29/2015</a:t>
+              <a:t>4/29/15</a:t>
             </a:fld>
             <a:endParaRPr lang="en-US"/>
           </a:p>
@@ -3223,24 +3671,7 @@
                 <a:ea typeface="+mj-ea"/>
                 <a:cs typeface="+mj-cs"/>
               </a:rPr>
-              <a:t>Project </a:t>
-            </a:r>
-            <a:r>
-              <a:rPr kumimoji="0" lang="en-US" sz="4400" b="0" i="0" u="none" strike="noStrike" kern="1200" cap="none" spc="0" normalizeH="0" baseline="0" noProof="0" dirty="0" smtClean="0">
-                <a:ln>
-                  <a:noFill/>
-                </a:ln>
-                <a:solidFill>
-                  <a:schemeClr val="tx1"/>
-                </a:solidFill>
-                <a:effectLst/>
-                <a:uLnTx/>
-                <a:uFillTx/>
-                <a:latin typeface="+mj-lt"/>
-                <a:ea typeface="+mj-ea"/>
-                <a:cs typeface="+mj-cs"/>
-              </a:rPr>
-              <a:t>Implementation</a:t>
+              <a:t>Project Implementation</a:t>
             </a:r>
             <a:endParaRPr kumimoji="0" lang="en-US" sz="4400" b="0" i="0" u="none" strike="noStrike" kern="1200" cap="none" spc="0" normalizeH="0" baseline="0" noProof="0" dirty="0">
               <a:ln>
@@ -3300,8 +3731,12 @@
           <a:lstStyle/>
           <a:p>
             <a:r>
+              <a:rPr lang="en-US" dirty="0" err="1" smtClean="0"/>
+              <a:t>Lexer</a:t>
+            </a:r>
+            <a:r>
               <a:rPr lang="en-US" dirty="0" smtClean="0"/>
-              <a:t>Installing ANTLR</a:t>
+              <a:t> and Parser</a:t>
             </a:r>
             <a:endParaRPr lang="en-US" dirty="0"/>
           </a:p>
@@ -3319,62 +3754,52 @@
         </p:nvSpPr>
         <p:spPr/>
         <p:txBody>
-          <a:bodyPr/>
+          <a:bodyPr>
+            <a:normAutofit lnSpcReduction="10000"/>
+          </a:bodyPr>
           <a:lstStyle/>
           <a:p>
             <a:r>
               <a:rPr lang="en-US" dirty="0" smtClean="0"/>
-              <a:t>Homepage: </a:t>
-            </a:r>
-            <a:r>
-              <a:rPr lang="en-US" dirty="0" smtClean="0">
-                <a:hlinkClick r:id="rId2"/>
-              </a:rPr>
-              <a:t>http://</a:t>
-            </a:r>
-            <a:r>
-              <a:rPr lang="en-US" dirty="0" smtClean="0">
-                <a:hlinkClick r:id="rId2"/>
-              </a:rPr>
-              <a:t>www.antlr4.org</a:t>
-            </a:r>
+              <a:t>Lexical analysis is handled by the </a:t>
+            </a:r>
+            <a:r>
+              <a:rPr lang="en-US" dirty="0" err="1" smtClean="0"/>
+              <a:t>Lexer</a:t>
+            </a:r>
+            <a:r>
+              <a:rPr lang="en-US" dirty="0" smtClean="0"/>
+              <a:t>, where it separates a stream of characters into different words or 'tokens‘.</a:t>
+            </a:r>
+          </a:p>
+          <a:p>
             <a:endParaRPr lang="en-US" dirty="0" smtClean="0"/>
           </a:p>
           <a:p>
             <a:r>
               <a:rPr lang="en-US" dirty="0" smtClean="0"/>
-              <a:t>Just a 1 click download.</a:t>
-            </a:r>
-          </a:p>
-          <a:p>
+              <a:t>Syntactical analysis is handled by the Parser. It receives the tokens/ input from the </a:t>
+            </a:r>
+            <a:r>
+              <a:rPr lang="en-US" dirty="0" err="1" smtClean="0"/>
+              <a:t>Lexer</a:t>
+            </a:r>
             <a:r>
               <a:rPr lang="en-US" dirty="0" smtClean="0"/>
-              <a:t>ANTLR is written in Java - so installing it is a matter of downloading the latest jar, such as </a:t>
-            </a:r>
-            <a:r>
-              <a:rPr lang="en-US" dirty="0" smtClean="0"/>
-              <a:t>antlr-4.5-complete.jar</a:t>
-            </a:r>
-            <a:endParaRPr lang="en-US" dirty="0" smtClean="0"/>
-          </a:p>
-          <a:p>
-            <a:r>
-              <a:rPr lang="en-US" dirty="0" smtClean="0"/>
-              <a:t>Once installed, Create aliases for the ANTLR Tool, and </a:t>
-            </a:r>
-            <a:r>
-              <a:rPr lang="en-US" dirty="0" err="1" smtClean="0"/>
-              <a:t>TestRig</a:t>
-            </a:r>
-            <a:r>
-              <a:rPr lang="en-US" dirty="0" smtClean="0"/>
-              <a:t>.</a:t>
-            </a:r>
+              <a:t> in the form of sequential source program instructions and breaks them up into parts defined in our grammar.</a:t>
+            </a:r>
+          </a:p>
+          <a:p>
             <a:endParaRPr lang="en-US" dirty="0"/>
           </a:p>
         </p:txBody>
       </p:sp>
     </p:spTree>
+    <p:extLst>
+      <p:ext uri="{BB962C8B-B14F-4D97-AF65-F5344CB8AC3E}">
+        <p14:creationId xmlns:p14="http://schemas.microsoft.com/office/powerpoint/2010/main" val="894488005"/>
+      </p:ext>
+    </p:extLst>
   </p:cSld>
   <p:clrMapOvr>
     <a:masterClrMapping/>
@@ -3416,7 +3841,7 @@
           <a:p>
             <a:r>
               <a:rPr lang="en-US" dirty="0" smtClean="0"/>
-              <a:t>Using ANTLR</a:t>
+              <a:t>Abstract syntax tree</a:t>
             </a:r>
             <a:endParaRPr lang="en-US" dirty="0"/>
           </a:p>
@@ -3435,76 +3860,45 @@
         <p:spPr/>
         <p:txBody>
           <a:bodyPr>
-            <a:normAutofit lnSpcReduction="10000"/>
+            <a:normAutofit fontScale="92500" lnSpcReduction="20000"/>
           </a:bodyPr>
           <a:lstStyle/>
           <a:p>
             <a:r>
               <a:rPr lang="en-US" dirty="0" smtClean="0"/>
-              <a:t>$ alias </a:t>
-            </a:r>
+              <a:t>This is a tree representation of the abstract syntactic structure of source code written in a programming language. </a:t>
+            </a:r>
+          </a:p>
+          <a:p>
             <a:r>
               <a:rPr lang="en-US" dirty="0" smtClean="0"/>
-              <a:t>antlr4=‘java </a:t>
-            </a:r>
+              <a:t>Each node of the tree denotes a construct occurring in the source code. </a:t>
+            </a:r>
+          </a:p>
+          <a:p>
             <a:r>
               <a:rPr lang="en-US" dirty="0" smtClean="0"/>
-              <a:t>-jar /</a:t>
-            </a:r>
-            <a:r>
-              <a:rPr lang="en-US" dirty="0" err="1" smtClean="0"/>
-              <a:t>usr</a:t>
-            </a:r>
+              <a:t>The syntax is "abstract" in not representing every detail appearing in the real syntax.</a:t>
+            </a:r>
+          </a:p>
+          <a:p>
+            <a:endParaRPr lang="en-US" dirty="0" smtClean="0"/>
+          </a:p>
+          <a:p>
             <a:r>
               <a:rPr lang="en-US" dirty="0" smtClean="0"/>
-              <a:t>/local/lib/antlr-4.0-complete.jar’</a:t>
-            </a:r>
-          </a:p>
-          <a:p>
-            <a:r>
-              <a:rPr lang="en-US" dirty="0" smtClean="0"/>
-              <a:t> </a:t>
-            </a:r>
-            <a:r>
-              <a:rPr lang="en-US" dirty="0" smtClean="0"/>
-              <a:t>$ alias </a:t>
-            </a:r>
-            <a:r>
-              <a:rPr lang="en-US" dirty="0" err="1" smtClean="0"/>
-              <a:t>grun</a:t>
-            </a:r>
-            <a:r>
-              <a:rPr lang="en-US" dirty="0" smtClean="0"/>
-              <a:t>=‘java org.antlr.v4.runtime.misc.TestRig’</a:t>
-            </a:r>
-          </a:p>
-          <a:p>
-            <a:r>
-              <a:rPr lang="en-US" dirty="0" smtClean="0"/>
-              <a:t>Once done, you can directly start using </a:t>
-            </a:r>
-            <a:r>
-              <a:rPr lang="en-US" dirty="0" err="1" smtClean="0"/>
-              <a:t>antlr</a:t>
-            </a:r>
-            <a:r>
-              <a:rPr lang="en-US" dirty="0" smtClean="0"/>
-              <a:t>!</a:t>
-            </a:r>
-          </a:p>
-          <a:p>
-            <a:endParaRPr lang="en-US" dirty="0" smtClean="0"/>
-          </a:p>
-          <a:p>
-            <a:r>
-              <a:rPr lang="en-US" dirty="0" smtClean="0"/>
-              <a:t>Create a simple grammar file or use the one that we used for RAMM.  It should be a “.g4” file.</a:t>
+              <a:t>For our example, the AST would look something like this:</a:t>
             </a:r>
             <a:endParaRPr lang="en-US" dirty="0"/>
           </a:p>
         </p:txBody>
       </p:sp>
     </p:spTree>
+    <p:extLst>
+      <p:ext uri="{BB962C8B-B14F-4D97-AF65-F5344CB8AC3E}">
+        <p14:creationId xmlns:p14="http://schemas.microsoft.com/office/powerpoint/2010/main" val="1468353958"/>
+      </p:ext>
+    </p:extLst>
   </p:cSld>
   <p:clrMapOvr>
     <a:masterClrMapping/>
@@ -3546,7 +3940,7 @@
           <a:p>
             <a:r>
               <a:rPr lang="en-US" dirty="0" smtClean="0"/>
-              <a:t>Using ANTLR</a:t>
+              <a:t>Abstract syntax tree</a:t>
             </a:r>
             <a:endParaRPr lang="en-US" dirty="0"/>
           </a:p>
@@ -3567,86 +3961,28 @@
           <a:bodyPr/>
           <a:lstStyle/>
           <a:p>
-            <a:r>
-              <a:rPr lang="en-US" dirty="0" smtClean="0"/>
-              <a:t>Now, run </a:t>
-            </a:r>
-            <a:r>
-              <a:rPr lang="en-US" dirty="0" smtClean="0"/>
-              <a:t>ANTLR the tool on it: </a:t>
-            </a:r>
             <a:endParaRPr lang="en-US" dirty="0" smtClean="0"/>
           </a:p>
           <a:p>
-            <a:pPr>
-              <a:buNone/>
-            </a:pPr>
-            <a:r>
-              <a:rPr lang="en-US" dirty="0" smtClean="0"/>
-              <a:t>	$ </a:t>
-            </a:r>
-            <a:r>
-              <a:rPr lang="en-US" dirty="0" smtClean="0"/>
-              <a:t>antlr4 </a:t>
-            </a:r>
-            <a:r>
-              <a:rPr lang="en-US" dirty="0" smtClean="0"/>
-              <a:t>“grammar_file”.</a:t>
-            </a:r>
-            <a:r>
-              <a:rPr lang="en-US" dirty="0" smtClean="0"/>
-              <a:t>g4 </a:t>
-            </a:r>
             <a:endParaRPr lang="en-US" dirty="0" smtClean="0"/>
           </a:p>
           <a:p>
-            <a:pPr>
-              <a:buNone/>
-            </a:pPr>
-            <a:r>
-              <a:rPr lang="en-US" dirty="0" smtClean="0"/>
-              <a:t>	$ </a:t>
-            </a:r>
-            <a:r>
-              <a:rPr lang="en-US" dirty="0" err="1" smtClean="0"/>
-              <a:t>javac</a:t>
-            </a:r>
-            <a:r>
-              <a:rPr lang="en-US" dirty="0" smtClean="0"/>
-              <a:t> </a:t>
-            </a:r>
-            <a:r>
-              <a:rPr lang="en-US" dirty="0" smtClean="0"/>
-              <a:t> *.java</a:t>
-            </a:r>
-          </a:p>
-          <a:p>
             <a:endParaRPr lang="en-US" dirty="0" smtClean="0"/>
           </a:p>
           <a:p>
-            <a:r>
-              <a:rPr lang="en-US" dirty="0" smtClean="0"/>
-              <a:t>This would have generated a couple of files for the </a:t>
-            </a:r>
-            <a:r>
-              <a:rPr lang="en-US" dirty="0" err="1" smtClean="0"/>
-              <a:t>Lexer</a:t>
-            </a:r>
-            <a:r>
-              <a:rPr lang="en-US" dirty="0" smtClean="0"/>
-              <a:t> and Parser.</a:t>
-            </a:r>
-          </a:p>
-          <a:p>
-            <a:r>
-              <a:rPr lang="en-US" dirty="0" smtClean="0"/>
-              <a:t>To generate the abstract syntax tree:</a:t>
-            </a:r>
-            <a:endParaRPr lang="en-US" dirty="0"/>
+            <a:endParaRPr lang="en-US" dirty="0" smtClean="0"/>
+          </a:p>
+          <a:p>
+            <a:endParaRPr lang="en-US" dirty="0" smtClean="0"/>
           </a:p>
         </p:txBody>
       </p:sp>
     </p:spTree>
+    <p:extLst>
+      <p:ext uri="{BB962C8B-B14F-4D97-AF65-F5344CB8AC3E}">
+        <p14:creationId xmlns:p14="http://schemas.microsoft.com/office/powerpoint/2010/main" val="2925899430"/>
+      </p:ext>
+    </p:extLst>
   </p:cSld>
   <p:clrMapOvr>
     <a:masterClrMapping/>
@@ -3688,7 +4024,7 @@
           <a:p>
             <a:r>
               <a:rPr lang="en-US" dirty="0" smtClean="0"/>
-              <a:t>Using ANTLR</a:t>
+              <a:t>Abstract syntax tree</a:t>
             </a:r>
             <a:endParaRPr lang="en-US" dirty="0"/>
           </a:p>
@@ -3707,148 +4043,49 @@
         <p:spPr/>
         <p:txBody>
           <a:bodyPr>
-            <a:normAutofit lnSpcReduction="10000"/>
+            <a:normAutofit fontScale="92500" lnSpcReduction="20000"/>
           </a:bodyPr>
           <a:lstStyle/>
           <a:p>
             <a:r>
               <a:rPr lang="en-US" dirty="0" smtClean="0"/>
-              <a:t>$ </a:t>
+              <a:t>Using this tree, our next goal is to reach/ walk to each individual node programmatically and generate the intermediate byte code.</a:t>
+            </a:r>
+          </a:p>
+          <a:p>
+            <a:endParaRPr lang="en-US" dirty="0" smtClean="0"/>
+          </a:p>
+          <a:p>
+            <a:r>
+              <a:rPr lang="en-US" dirty="0" smtClean="0"/>
+              <a:t>Made use of an inbuilt data type in ANTLR called </a:t>
             </a:r>
             <a:r>
               <a:rPr lang="en-US" dirty="0" err="1" smtClean="0"/>
-              <a:t>grun</a:t>
+              <a:t>ParseTree</a:t>
             </a:r>
             <a:r>
               <a:rPr lang="en-US" dirty="0" smtClean="0"/>
-              <a:t> </a:t>
-            </a:r>
+              <a:t> to parse each individual leaf/ non-leaf element.</a:t>
+            </a:r>
+          </a:p>
+          <a:p>
+            <a:endParaRPr lang="en-US" dirty="0" smtClean="0"/>
+          </a:p>
+          <a:p>
             <a:r>
               <a:rPr lang="en-US" dirty="0" smtClean="0"/>
-              <a:t>“</a:t>
-            </a:r>
-            <a:r>
-              <a:rPr lang="en-US" dirty="0" err="1" smtClean="0"/>
-              <a:t>grammar_file</a:t>
-            </a:r>
-            <a:r>
-              <a:rPr lang="en-US" dirty="0" smtClean="0"/>
-              <a:t>” </a:t>
-            </a:r>
-            <a:r>
-              <a:rPr lang="en-US" dirty="0" smtClean="0"/>
-              <a:t>r -tree </a:t>
-            </a:r>
-            <a:endParaRPr lang="en-US" dirty="0" smtClean="0"/>
-          </a:p>
-          <a:p>
-            <a:pPr>
-              <a:buNone/>
-            </a:pPr>
-            <a:r>
-              <a:rPr lang="en-US" dirty="0" smtClean="0"/>
-              <a:t>	“your code” </a:t>
-            </a:r>
-          </a:p>
-          <a:p>
-            <a:pPr>
-              <a:buNone/>
-            </a:pPr>
-            <a:r>
-              <a:rPr lang="en-US" dirty="0" smtClean="0"/>
-              <a:t>	</a:t>
-            </a:r>
-            <a:r>
-              <a:rPr lang="en-US" dirty="0" smtClean="0"/>
-              <a:t>^</a:t>
-            </a:r>
-            <a:r>
-              <a:rPr lang="en-US" dirty="0" smtClean="0"/>
-              <a:t>D </a:t>
-            </a:r>
-            <a:endParaRPr lang="en-US" dirty="0" smtClean="0"/>
-          </a:p>
-          <a:p>
-            <a:pPr>
-              <a:buNone/>
-            </a:pPr>
-            <a:r>
-              <a:rPr lang="en-US" dirty="0" smtClean="0"/>
-              <a:t>	</a:t>
-            </a:r>
-            <a:r>
-              <a:rPr lang="en-US" dirty="0" smtClean="0"/>
-              <a:t>(</a:t>
-            </a:r>
-            <a:r>
-              <a:rPr lang="en-US" dirty="0" smtClean="0"/>
-              <a:t>r </a:t>
-            </a:r>
-            <a:r>
-              <a:rPr lang="en-US" dirty="0" smtClean="0"/>
-              <a:t>“your code”)</a:t>
-            </a:r>
-          </a:p>
-          <a:p>
-            <a:endParaRPr lang="en-US" dirty="0" smtClean="0"/>
-          </a:p>
-          <a:p>
-            <a:r>
-              <a:rPr lang="nb-NO" dirty="0" smtClean="0"/>
-              <a:t>$ grun </a:t>
-            </a:r>
-            <a:r>
-              <a:rPr lang="en-US" dirty="0" smtClean="0"/>
-              <a:t>“</a:t>
-            </a:r>
-            <a:r>
-              <a:rPr lang="en-US" dirty="0" err="1" smtClean="0"/>
-              <a:t>grammar_file</a:t>
-            </a:r>
-            <a:r>
-              <a:rPr lang="en-US" dirty="0" smtClean="0"/>
-              <a:t>”</a:t>
-            </a:r>
-            <a:r>
-              <a:rPr lang="nb-NO" dirty="0" smtClean="0"/>
-              <a:t> </a:t>
-            </a:r>
-            <a:r>
-              <a:rPr lang="nb-NO" dirty="0" smtClean="0"/>
-              <a:t>r -gui </a:t>
-            </a:r>
-            <a:endParaRPr lang="nb-NO" dirty="0" smtClean="0"/>
-          </a:p>
-          <a:p>
-            <a:pPr>
-              <a:buNone/>
-            </a:pPr>
-            <a:r>
-              <a:rPr lang="nb-NO" dirty="0" smtClean="0"/>
-              <a:t>	</a:t>
-            </a:r>
-            <a:r>
-              <a:rPr lang="nb-NO" dirty="0" smtClean="0"/>
-              <a:t>your code</a:t>
-            </a:r>
-          </a:p>
-          <a:p>
-            <a:pPr>
-              <a:buNone/>
-            </a:pPr>
-            <a:r>
-              <a:rPr lang="nb-NO" dirty="0" smtClean="0"/>
-              <a:t>	</a:t>
-            </a:r>
-            <a:r>
-              <a:rPr lang="nb-NO" dirty="0" smtClean="0"/>
-              <a:t>^D</a:t>
-            </a:r>
-            <a:endParaRPr lang="en-US" dirty="0"/>
+              <a:t>Once every element was parsed, we created the intermediate byte code, which was then fed to the VM for execution.</a:t>
+            </a:r>
           </a:p>
         </p:txBody>
       </p:sp>
     </p:spTree>
+    <p:extLst>
+      <p:ext uri="{BB962C8B-B14F-4D97-AF65-F5344CB8AC3E}">
+        <p14:creationId xmlns:p14="http://schemas.microsoft.com/office/powerpoint/2010/main" val="2367939261"/>
+      </p:ext>
+    </p:extLst>
   </p:cSld>
   <p:clrMapOvr>
     <a:masterClrMapping/>
@@ -3890,7 +4127,7 @@
           <a:p>
             <a:r>
               <a:rPr lang="en-US" dirty="0" smtClean="0"/>
-              <a:t>Abstract Syntax Tree</a:t>
+              <a:t>Abstract syntax tree</a:t>
             </a:r>
             <a:endParaRPr lang="en-US" dirty="0"/>
           </a:p>
@@ -3913,26 +4150,46 @@
           <a:p>
             <a:r>
               <a:rPr lang="en-US" dirty="0" smtClean="0"/>
-              <a:t>This pops up a dialog box showing </a:t>
-            </a:r>
+              <a:t>By default, ANTLR generates a parse-tree listener interface that responds to events triggered by the built-in tree walker. .</a:t>
+            </a:r>
+          </a:p>
+          <a:p>
             <a:r>
               <a:rPr lang="en-US" dirty="0" smtClean="0"/>
-              <a:t>the tree to you, for your code. It matches the rules you’ve defined in your grammar and branches out accordingly.</a:t>
-            </a:r>
-          </a:p>
-          <a:p>
-            <a:endParaRPr lang="en-US" dirty="0" smtClean="0"/>
-          </a:p>
-          <a:p>
+              <a:t>To walk a tree and trigger calls into a listener, ANTLR’s runtime provides the class </a:t>
+            </a:r>
+            <a:r>
+              <a:rPr lang="en-US" dirty="0" err="1" smtClean="0"/>
+              <a:t>ParseTreeWalker</a:t>
+            </a:r>
             <a:r>
               <a:rPr lang="en-US" dirty="0" smtClean="0"/>
-              <a:t>From here, we use the tree walker code to visit each node and then convert it into intermediate code.</a:t>
+              <a:t>. </a:t>
+            </a:r>
+          </a:p>
+          <a:p>
+            <a:r>
+              <a:rPr lang="en-US" dirty="0" smtClean="0"/>
+              <a:t>To make a language application, we write a </a:t>
+            </a:r>
+            <a:r>
+              <a:rPr lang="en-US" dirty="0" err="1" smtClean="0"/>
+              <a:t>ParseTreeListener</a:t>
+            </a:r>
+            <a:r>
+              <a:rPr lang="en-US" dirty="0" smtClean="0"/>
+              <a:t>.</a:t>
             </a:r>
             <a:endParaRPr lang="en-US" dirty="0"/>
           </a:p>
         </p:txBody>
       </p:sp>
     </p:spTree>
+    <p:extLst>
+      <p:ext uri="{BB962C8B-B14F-4D97-AF65-F5344CB8AC3E}">
+        <p14:creationId xmlns:p14="http://schemas.microsoft.com/office/powerpoint/2010/main" val="4083914937"/>
+      </p:ext>
+    </p:extLst>
   </p:cSld>
   <p:clrMapOvr>
     <a:masterClrMapping/>
@@ -3974,7 +4231,7 @@
           <a:p>
             <a:r>
               <a:rPr lang="en-US" dirty="0" smtClean="0"/>
-              <a:t>Abstract Syntax Tree</a:t>
+              <a:t>Abstract syntax tree</a:t>
             </a:r>
             <a:endParaRPr lang="en-US" dirty="0"/>
           </a:p>
@@ -3992,18 +4249,188 @@
         </p:nvSpPr>
         <p:spPr/>
         <p:txBody>
-          <a:bodyPr/>
+          <a:bodyPr>
+            <a:normAutofit fontScale="85000" lnSpcReduction="10000"/>
+          </a:bodyPr>
           <a:lstStyle/>
           <a:p>
             <a:r>
               <a:rPr lang="en-US" dirty="0" smtClean="0"/>
-              <a:t>The generated intermediate code is then fed to the VM.</a:t>
+              <a:t>There are situations, however, where we want to control the walk itself, explicitly calling methods to visit children. </a:t>
+            </a:r>
+          </a:p>
+          <a:p>
+            <a:r>
+              <a:rPr lang="en-US" dirty="0" smtClean="0"/>
+              <a:t>Option -visitor asks ANTLR to generate a visitor interface from a grammar with a visit method per rule.</a:t>
+            </a:r>
+          </a:p>
+          <a:p>
+            <a:r>
+              <a:rPr lang="en-US" dirty="0" smtClean="0"/>
+              <a:t>The key “interface” between the grammar and our listener object is called </a:t>
+            </a:r>
+            <a:r>
+              <a:rPr lang="en-US" dirty="0" err="1" smtClean="0"/>
+              <a:t>JavaListener</a:t>
+            </a:r>
+            <a:r>
+              <a:rPr lang="en-US" dirty="0" smtClean="0"/>
+              <a:t>, and ANTLR automatically generates it for us. </a:t>
+            </a:r>
+          </a:p>
+          <a:p>
+            <a:r>
+              <a:rPr lang="en-US" dirty="0" smtClean="0"/>
+              <a:t>It defines all of the methods that the class </a:t>
+            </a:r>
+            <a:r>
+              <a:rPr lang="en-US" dirty="0" err="1" smtClean="0"/>
+              <a:t>ParseTreeWalker</a:t>
+            </a:r>
+            <a:r>
+              <a:rPr lang="en-US" dirty="0" smtClean="0"/>
+              <a:t> from ANTLR’s runtime can trigger as it traverses the parse tree</a:t>
             </a:r>
             <a:endParaRPr lang="en-US" dirty="0"/>
           </a:p>
         </p:txBody>
       </p:sp>
     </p:spTree>
+    <p:extLst>
+      <p:ext uri="{BB962C8B-B14F-4D97-AF65-F5344CB8AC3E}">
+        <p14:creationId xmlns:p14="http://schemas.microsoft.com/office/powerpoint/2010/main" val="584958074"/>
+      </p:ext>
+    </p:extLst>
+  </p:cSld>
+  <p:clrMapOvr>
+    <a:masterClrMapping/>
+  </p:clrMapOvr>
+</p:sld>
+</file>
+
+<file path=ppt/slides/slide8.xml><?xml version="1.0" encoding="utf-8"?>
+<p:sld xmlns:a="http://schemas.openxmlformats.org/drawingml/2006/main" xmlns:r="http://schemas.openxmlformats.org/officeDocument/2006/relationships" xmlns:p="http://schemas.openxmlformats.org/presentationml/2006/main">
+  <p:cSld>
+    <p:spTree>
+      <p:nvGrpSpPr>
+        <p:cNvPr id="1" name=""/>
+        <p:cNvGrpSpPr/>
+        <p:nvPr/>
+      </p:nvGrpSpPr>
+      <p:grpSpPr>
+        <a:xfrm>
+          <a:off x="0" y="0"/>
+          <a:ext cx="0" cy="0"/>
+          <a:chOff x="0" y="0"/>
+          <a:chExt cx="0" cy="0"/>
+        </a:xfrm>
+      </p:grpSpPr>
+      <p:sp>
+        <p:nvSpPr>
+          <p:cNvPr id="2" name="Title 1"/>
+          <p:cNvSpPr>
+            <a:spLocks noGrp="1"/>
+          </p:cNvSpPr>
+          <p:nvPr>
+            <p:ph type="title"/>
+          </p:nvPr>
+        </p:nvSpPr>
+        <p:spPr/>
+        <p:txBody>
+          <a:bodyPr/>
+          <a:lstStyle/>
+          <a:p>
+            <a:r>
+              <a:rPr lang="en-US" dirty="0"/>
+              <a:t>Runtime - </a:t>
+            </a:r>
+            <a:r>
+              <a:rPr lang="en-US" dirty="0" smtClean="0"/>
+              <a:t>Implementation</a:t>
+            </a:r>
+            <a:endParaRPr lang="en-US" dirty="0"/>
+          </a:p>
+        </p:txBody>
+      </p:sp>
+      <p:sp>
+        <p:nvSpPr>
+          <p:cNvPr id="3" name="Content Placeholder 2"/>
+          <p:cNvSpPr>
+            <a:spLocks noGrp="1"/>
+          </p:cNvSpPr>
+          <p:nvPr>
+            <p:ph idx="1"/>
+          </p:nvPr>
+        </p:nvSpPr>
+        <p:spPr/>
+        <p:txBody>
+          <a:bodyPr>
+            <a:normAutofit fontScale="85000" lnSpcReduction="20000"/>
+          </a:bodyPr>
+          <a:lstStyle/>
+          <a:p>
+            <a:r>
+              <a:rPr lang="en-US" dirty="0" smtClean="0"/>
+              <a:t>Internally uses stacks, </a:t>
+            </a:r>
+            <a:r>
+              <a:rPr lang="en-US" dirty="0" err="1" smtClean="0"/>
+              <a:t>linkedlists</a:t>
+            </a:r>
+            <a:r>
+              <a:rPr lang="en-US" dirty="0" smtClean="0"/>
+              <a:t> and </a:t>
+            </a:r>
+            <a:r>
+              <a:rPr lang="en-US" dirty="0" err="1" smtClean="0"/>
+              <a:t>hashmaps</a:t>
+            </a:r>
+            <a:r>
+              <a:rPr lang="en-US" dirty="0" smtClean="0"/>
+              <a:t> to maintain the environment, symbol table and activatio</a:t>
+            </a:r>
+            <a:r>
+              <a:rPr lang="en-US" dirty="0" smtClean="0"/>
+              <a:t>n records</a:t>
+            </a:r>
+            <a:endParaRPr lang="en-US" dirty="0" smtClean="0"/>
+          </a:p>
+          <a:p>
+            <a:r>
+              <a:rPr lang="en-US" dirty="0" smtClean="0"/>
+              <a:t>A </a:t>
+            </a:r>
+            <a:r>
+              <a:rPr lang="en-US" dirty="0" smtClean="0"/>
+              <a:t>symbol table is a data structure used by a compiler where each identifier in a program's source code is associated with information relating to its declaration or appearance in the source, such as its type, scope level and sometimes its location.</a:t>
+            </a:r>
+          </a:p>
+          <a:p>
+            <a:r>
+              <a:rPr lang="en-US" dirty="0"/>
+              <a:t>During execution, every function call is recorded and maintained on a stack</a:t>
+            </a:r>
+            <a:r>
+              <a:rPr lang="en-US" dirty="0" smtClean="0"/>
+              <a:t>.</a:t>
+            </a:r>
+          </a:p>
+          <a:p>
+            <a:r>
+              <a:rPr lang="en-US" dirty="0" smtClean="0"/>
+              <a:t>In RAMM, the symbol table is implemented as a linked list of hash maps.</a:t>
+            </a:r>
+            <a:endParaRPr lang="en-US" dirty="0"/>
+          </a:p>
+        </p:txBody>
+      </p:sp>
+    </p:spTree>
+    <p:extLst>
+      <p:ext uri="{BB962C8B-B14F-4D97-AF65-F5344CB8AC3E}">
+        <p14:creationId xmlns:p14="http://schemas.microsoft.com/office/powerpoint/2010/main" val="2920234752"/>
+      </p:ext>
+    </p:extLst>
   </p:cSld>
   <p:clrMapOvr>
     <a:masterClrMapping/>
@@ -4292,4 +4719,324 @@
   <a:objectDefaults/>
   <a:extraClrSchemeLst/>
 </a:theme>
+</file>
+
+<file path=ppt/theme/theme2.xml><?xml version="1.0" encoding="utf-8"?>
+<a:theme xmlns:a="http://schemas.openxmlformats.org/drawingml/2006/main" name="Office Theme">
+  <a:themeElements>
+    <a:clrScheme name="Office">
+      <a:dk1>
+        <a:sysClr val="windowText" lastClr="000000"/>
+      </a:dk1>
+      <a:lt1>
+        <a:sysClr val="window" lastClr="FFFFFF"/>
+      </a:lt1>
+      <a:dk2>
+        <a:srgbClr val="1F497D"/>
+      </a:dk2>
+      <a:lt2>
+        <a:srgbClr val="EEECE1"/>
+      </a:lt2>
+      <a:accent1>
+        <a:srgbClr val="4F81BD"/>
+      </a:accent1>
+      <a:accent2>
+        <a:srgbClr val="C0504D"/>
+      </a:accent2>
+      <a:accent3>
+        <a:srgbClr val="9BBB59"/>
+      </a:accent3>
+      <a:accent4>
+        <a:srgbClr val="8064A2"/>
+      </a:accent4>
+      <a:accent5>
+        <a:srgbClr val="4BACC6"/>
+      </a:accent5>
+      <a:accent6>
+        <a:srgbClr val="F79646"/>
+      </a:accent6>
+      <a:hlink>
+        <a:srgbClr val="0000FF"/>
+      </a:hlink>
+      <a:folHlink>
+        <a:srgbClr val="800080"/>
+      </a:folHlink>
+    </a:clrScheme>
+    <a:fontScheme name="Office">
+      <a:majorFont>
+        <a:latin typeface="Calibri"/>
+        <a:ea typeface=""/>
+        <a:cs typeface=""/>
+        <a:font script="Jpan" typeface="ＭＳ Ｐゴシック"/>
+        <a:font script="Hang" typeface="맑은 고딕"/>
+        <a:font script="Hans" typeface="宋体"/>
+        <a:font script="Hant" typeface="新細明體"/>
+        <a:font script="Arab" typeface="Times New Roman"/>
+        <a:font script="Hebr" typeface="Times New Roman"/>
+        <a:font script="Thai" typeface="Angsana New"/>
+        <a:font script="Ethi" typeface="Nyala"/>
+        <a:font script="Beng" typeface="Vrinda"/>
+        <a:font script="Gujr" typeface="Shruti"/>
+        <a:font script="Khmr" typeface="MoolBoran"/>
+        <a:font script="Knda" typeface="Tunga"/>
+        <a:font script="Guru" typeface="Raavi"/>
+        <a:font script="Cans" typeface="Euphemia"/>
+        <a:font script="Cher" typeface="Plantagenet Cherokee"/>
+        <a:font script="Yiii" typeface="Microsoft Yi Baiti"/>
+        <a:font script="Tibt" typeface="Microsoft Himalaya"/>
+        <a:font script="Thaa" typeface="MV Boli"/>
+        <a:font script="Deva" typeface="Mangal"/>
+        <a:font script="Telu" typeface="Gautami"/>
+        <a:font script="Taml" typeface="Latha"/>
+        <a:font script="Syrc" typeface="Estrangelo Edessa"/>
+        <a:font script="Orya" typeface="Kalinga"/>
+        <a:font script="Mlym" typeface="Kartika"/>
+        <a:font script="Laoo" typeface="DokChampa"/>
+        <a:font script="Sinh" typeface="Iskoola Pota"/>
+        <a:font script="Mong" typeface="Mongolian Baiti"/>
+        <a:font script="Viet" typeface="Times New Roman"/>
+        <a:font script="Uigh" typeface="Microsoft Uighur"/>
+        <a:font script="Geor" typeface="Sylfaen"/>
+      </a:majorFont>
+      <a:minorFont>
+        <a:latin typeface="Calibri"/>
+        <a:ea typeface=""/>
+        <a:cs typeface=""/>
+        <a:font script="Jpan" typeface="ＭＳ Ｐゴシック"/>
+        <a:font script="Hang" typeface="맑은 고딕"/>
+        <a:font script="Hans" typeface="宋体"/>
+        <a:font script="Hant" typeface="新細明體"/>
+        <a:font script="Arab" typeface="Arial"/>
+        <a:font script="Hebr" typeface="Arial"/>
+        <a:font script="Thai" typeface="Cordia New"/>
+        <a:font script="Ethi" typeface="Nyala"/>
+        <a:font script="Beng" typeface="Vrinda"/>
+        <a:font script="Gujr" typeface="Shruti"/>
+        <a:font script="Khmr" typeface="DaunPenh"/>
+        <a:font script="Knda" typeface="Tunga"/>
+        <a:font script="Guru" typeface="Raavi"/>
+        <a:font script="Cans" typeface="Euphemia"/>
+        <a:font script="Cher" typeface="Plantagenet Cherokee"/>
+        <a:font script="Yiii" typeface="Microsoft Yi Baiti"/>
+        <a:font script="Tibt" typeface="Microsoft Himalaya"/>
+        <a:font script="Thaa" typeface="MV Boli"/>
+        <a:font script="Deva" typeface="Mangal"/>
+        <a:font script="Telu" typeface="Gautami"/>
+        <a:font script="Taml" typeface="Latha"/>
+        <a:font script="Syrc" typeface="Estrangelo Edessa"/>
+        <a:font script="Orya" typeface="Kalinga"/>
+        <a:font script="Mlym" typeface="Kartika"/>
+        <a:font script="Laoo" typeface="DokChampa"/>
+        <a:font script="Sinh" typeface="Iskoola Pota"/>
+        <a:font script="Mong" typeface="Mongolian Baiti"/>
+        <a:font script="Viet" typeface="Arial"/>
+        <a:font script="Uigh" typeface="Microsoft Uighur"/>
+        <a:font script="Geor" typeface="Sylfaen"/>
+      </a:minorFont>
+    </a:fontScheme>
+    <a:fmtScheme name="Office">
+      <a:fillStyleLst>
+        <a:solidFill>
+          <a:schemeClr val="phClr"/>
+        </a:solidFill>
+        <a:gradFill rotWithShape="1">
+          <a:gsLst>
+            <a:gs pos="0">
+              <a:schemeClr val="phClr">
+                <a:tint val="50000"/>
+                <a:satMod val="300000"/>
+              </a:schemeClr>
+            </a:gs>
+            <a:gs pos="35000">
+              <a:schemeClr val="phClr">
+                <a:tint val="37000"/>
+                <a:satMod val="300000"/>
+              </a:schemeClr>
+            </a:gs>
+            <a:gs pos="100000">
+              <a:schemeClr val="phClr">
+                <a:tint val="15000"/>
+                <a:satMod val="350000"/>
+              </a:schemeClr>
+            </a:gs>
+          </a:gsLst>
+          <a:lin ang="16200000" scaled="1"/>
+        </a:gradFill>
+        <a:gradFill rotWithShape="1">
+          <a:gsLst>
+            <a:gs pos="0">
+              <a:schemeClr val="phClr">
+                <a:tint val="100000"/>
+                <a:shade val="100000"/>
+                <a:satMod val="130000"/>
+              </a:schemeClr>
+            </a:gs>
+            <a:gs pos="100000">
+              <a:schemeClr val="phClr">
+                <a:tint val="50000"/>
+                <a:shade val="100000"/>
+                <a:satMod val="350000"/>
+              </a:schemeClr>
+            </a:gs>
+          </a:gsLst>
+          <a:lin ang="16200000" scaled="0"/>
+        </a:gradFill>
+      </a:fillStyleLst>
+      <a:lnStyleLst>
+        <a:ln w="9525" cap="flat" cmpd="sng" algn="ctr">
+          <a:solidFill>
+            <a:schemeClr val="phClr">
+              <a:shade val="95000"/>
+              <a:satMod val="105000"/>
+            </a:schemeClr>
+          </a:solidFill>
+          <a:prstDash val="solid"/>
+        </a:ln>
+        <a:ln w="25400" cap="flat" cmpd="sng" algn="ctr">
+          <a:solidFill>
+            <a:schemeClr val="phClr"/>
+          </a:solidFill>
+          <a:prstDash val="solid"/>
+        </a:ln>
+        <a:ln w="38100" cap="flat" cmpd="sng" algn="ctr">
+          <a:solidFill>
+            <a:schemeClr val="phClr"/>
+          </a:solidFill>
+          <a:prstDash val="solid"/>
+        </a:ln>
+      </a:lnStyleLst>
+      <a:effectStyleLst>
+        <a:effectStyle>
+          <a:effectLst>
+            <a:outerShdw blurRad="40000" dist="20000" dir="5400000" rotWithShape="0">
+              <a:srgbClr val="000000">
+                <a:alpha val="38000"/>
+              </a:srgbClr>
+            </a:outerShdw>
+          </a:effectLst>
+        </a:effectStyle>
+        <a:effectStyle>
+          <a:effectLst>
+            <a:outerShdw blurRad="40000" dist="23000" dir="5400000" rotWithShape="0">
+              <a:srgbClr val="000000">
+                <a:alpha val="35000"/>
+              </a:srgbClr>
+            </a:outerShdw>
+          </a:effectLst>
+        </a:effectStyle>
+        <a:effectStyle>
+          <a:effectLst>
+            <a:outerShdw blurRad="40000" dist="23000" dir="5400000" rotWithShape="0">
+              <a:srgbClr val="000000">
+                <a:alpha val="35000"/>
+              </a:srgbClr>
+            </a:outerShdw>
+          </a:effectLst>
+          <a:scene3d>
+            <a:camera prst="orthographicFront">
+              <a:rot lat="0" lon="0" rev="0"/>
+            </a:camera>
+            <a:lightRig rig="threePt" dir="t">
+              <a:rot lat="0" lon="0" rev="1200000"/>
+            </a:lightRig>
+          </a:scene3d>
+          <a:sp3d>
+            <a:bevelT w="63500" h="25400"/>
+          </a:sp3d>
+        </a:effectStyle>
+      </a:effectStyleLst>
+      <a:bgFillStyleLst>
+        <a:solidFill>
+          <a:schemeClr val="phClr"/>
+        </a:solidFill>
+        <a:gradFill rotWithShape="1">
+          <a:gsLst>
+            <a:gs pos="0">
+              <a:schemeClr val="phClr">
+                <a:tint val="40000"/>
+                <a:satMod val="350000"/>
+              </a:schemeClr>
+            </a:gs>
+            <a:gs pos="40000">
+              <a:schemeClr val="phClr">
+                <a:tint val="45000"/>
+                <a:shade val="99000"/>
+                <a:satMod val="350000"/>
+              </a:schemeClr>
+            </a:gs>
+            <a:gs pos="100000">
+              <a:schemeClr val="phClr">
+                <a:shade val="20000"/>
+                <a:satMod val="255000"/>
+              </a:schemeClr>
+            </a:gs>
+          </a:gsLst>
+          <a:path path="circle">
+            <a:fillToRect l="50000" t="-80000" r="50000" b="180000"/>
+          </a:path>
+        </a:gradFill>
+        <a:gradFill rotWithShape="1">
+          <a:gsLst>
+            <a:gs pos="0">
+              <a:schemeClr val="phClr">
+                <a:tint val="80000"/>
+                <a:satMod val="300000"/>
+              </a:schemeClr>
+            </a:gs>
+            <a:gs pos="100000">
+              <a:schemeClr val="phClr">
+                <a:shade val="30000"/>
+                <a:satMod val="200000"/>
+              </a:schemeClr>
+            </a:gs>
+          </a:gsLst>
+          <a:path path="circle">
+            <a:fillToRect l="50000" t="50000" r="50000" b="50000"/>
+          </a:path>
+        </a:gradFill>
+      </a:bgFillStyleLst>
+    </a:fmtScheme>
+  </a:themeElements>
+  <a:objectDefaults>
+    <a:spDef>
+      <a:spPr/>
+      <a:bodyPr/>
+      <a:lstStyle/>
+      <a:style>
+        <a:lnRef idx="1">
+          <a:schemeClr val="accent1"/>
+        </a:lnRef>
+        <a:fillRef idx="3">
+          <a:schemeClr val="accent1"/>
+        </a:fillRef>
+        <a:effectRef idx="2">
+          <a:schemeClr val="accent1"/>
+        </a:effectRef>
+        <a:fontRef idx="minor">
+          <a:schemeClr val="lt1"/>
+        </a:fontRef>
+      </a:style>
+    </a:spDef>
+    <a:lnDef>
+      <a:spPr/>
+      <a:bodyPr/>
+      <a:lstStyle/>
+      <a:style>
+        <a:lnRef idx="2">
+          <a:schemeClr val="accent1"/>
+        </a:lnRef>
+        <a:fillRef idx="0">
+          <a:schemeClr val="accent1"/>
+        </a:fillRef>
+        <a:effectRef idx="1">
+          <a:schemeClr val="accent1"/>
+        </a:effectRef>
+        <a:fontRef idx="minor">
+          <a:schemeClr val="tx1"/>
+        </a:fontRef>
+      </a:style>
+    </a:lnDef>
+  </a:objectDefaults>
+  <a:extraClrSchemeLst/>
+</a:theme>
 </file>
--- a/doc/Implementation.pptx
+++ b/doc/Implementation.pptx
@@ -199,7 +199,8 @@
           <a:p>
             <a:fld id="{018C5000-1232-B84E-A5C8-294FEA53B9DD}" type="datetimeFigureOut">
               <a:rPr lang="en-US" smtClean="0"/>
-              <a:t>4/29/15</a:t>
+              <a:pPr/>
+              <a:t>4/29/2015</a:t>
             </a:fld>
             <a:endParaRPr lang="en-US"/>
           </a:p>
@@ -358,6 +359,7 @@
           <a:p>
             <a:fld id="{8E404C80-46A1-9349-AD9D-0477EBD61996}" type="slidenum">
               <a:rPr lang="en-US" smtClean="0"/>
+              <a:pPr/>
               <a:t>‹#›</a:t>
             </a:fld>
             <a:endParaRPr lang="en-US"/>
@@ -367,7 +369,7 @@
     </p:spTree>
     <p:extLst>
       <p:ext uri="{BB962C8B-B14F-4D97-AF65-F5344CB8AC3E}">
-        <p14:creationId xmlns:p14="http://schemas.microsoft.com/office/powerpoint/2010/main" val="4110341480"/>
+        <p14:creationId xmlns:p14="http://schemas.microsoft.com/office/powerpoint/2010/main" xmlns="" val="4110341480"/>
       </p:ext>
     </p:extLst>
   </p:cSld>
@@ -743,7 +745,7 @@
             <a:fld id="{1D8BD707-D9CF-40AE-B4C6-C98DA3205C09}" type="datetimeFigureOut">
               <a:rPr lang="en-US" smtClean="0"/>
               <a:pPr/>
-              <a:t>4/29/15</a:t>
+              <a:t>4/29/2015</a:t>
             </a:fld>
             <a:endParaRPr lang="en-US"/>
           </a:p>
@@ -910,7 +912,7 @@
             <a:fld id="{1D8BD707-D9CF-40AE-B4C6-C98DA3205C09}" type="datetimeFigureOut">
               <a:rPr lang="en-US" smtClean="0"/>
               <a:pPr/>
-              <a:t>4/29/15</a:t>
+              <a:t>4/29/2015</a:t>
             </a:fld>
             <a:endParaRPr lang="en-US"/>
           </a:p>
@@ -1087,7 +1089,7 @@
             <a:fld id="{1D8BD707-D9CF-40AE-B4C6-C98DA3205C09}" type="datetimeFigureOut">
               <a:rPr lang="en-US" smtClean="0"/>
               <a:pPr/>
-              <a:t>4/29/15</a:t>
+              <a:t>4/29/2015</a:t>
             </a:fld>
             <a:endParaRPr lang="en-US"/>
           </a:p>
@@ -1254,7 +1256,7 @@
             <a:fld id="{1D8BD707-D9CF-40AE-B4C6-C98DA3205C09}" type="datetimeFigureOut">
               <a:rPr lang="en-US" smtClean="0"/>
               <a:pPr/>
-              <a:t>4/29/15</a:t>
+              <a:t>4/29/2015</a:t>
             </a:fld>
             <a:endParaRPr lang="en-US"/>
           </a:p>
@@ -1497,7 +1499,7 @@
             <a:fld id="{1D8BD707-D9CF-40AE-B4C6-C98DA3205C09}" type="datetimeFigureOut">
               <a:rPr lang="en-US" smtClean="0"/>
               <a:pPr/>
-              <a:t>4/29/15</a:t>
+              <a:t>4/29/2015</a:t>
             </a:fld>
             <a:endParaRPr lang="en-US"/>
           </a:p>
@@ -1782,7 +1784,7 @@
             <a:fld id="{1D8BD707-D9CF-40AE-B4C6-C98DA3205C09}" type="datetimeFigureOut">
               <a:rPr lang="en-US" smtClean="0"/>
               <a:pPr/>
-              <a:t>4/29/15</a:t>
+              <a:t>4/29/2015</a:t>
             </a:fld>
             <a:endParaRPr lang="en-US"/>
           </a:p>
@@ -2201,7 +2203,7 @@
             <a:fld id="{1D8BD707-D9CF-40AE-B4C6-C98DA3205C09}" type="datetimeFigureOut">
               <a:rPr lang="en-US" smtClean="0"/>
               <a:pPr/>
-              <a:t>4/29/15</a:t>
+              <a:t>4/29/2015</a:t>
             </a:fld>
             <a:endParaRPr lang="en-US"/>
           </a:p>
@@ -2316,7 +2318,7 @@
             <a:fld id="{1D8BD707-D9CF-40AE-B4C6-C98DA3205C09}" type="datetimeFigureOut">
               <a:rPr lang="en-US" smtClean="0"/>
               <a:pPr/>
-              <a:t>4/29/15</a:t>
+              <a:t>4/29/2015</a:t>
             </a:fld>
             <a:endParaRPr lang="en-US"/>
           </a:p>
@@ -2408,7 +2410,7 @@
             <a:fld id="{1D8BD707-D9CF-40AE-B4C6-C98DA3205C09}" type="datetimeFigureOut">
               <a:rPr lang="en-US" smtClean="0"/>
               <a:pPr/>
-              <a:t>4/29/15</a:t>
+              <a:t>4/29/2015</a:t>
             </a:fld>
             <a:endParaRPr lang="en-US"/>
           </a:p>
@@ -2682,7 +2684,7 @@
             <a:fld id="{1D8BD707-D9CF-40AE-B4C6-C98DA3205C09}" type="datetimeFigureOut">
               <a:rPr lang="en-US" smtClean="0"/>
               <a:pPr/>
-              <a:t>4/29/15</a:t>
+              <a:t>4/29/2015</a:t>
             </a:fld>
             <a:endParaRPr lang="en-US"/>
           </a:p>
@@ -2932,7 +2934,7 @@
             <a:fld id="{1D8BD707-D9CF-40AE-B4C6-C98DA3205C09}" type="datetimeFigureOut">
               <a:rPr lang="en-US" smtClean="0"/>
               <a:pPr/>
-              <a:t>4/29/15</a:t>
+              <a:t>4/29/2015</a:t>
             </a:fld>
             <a:endParaRPr lang="en-US"/>
           </a:p>
@@ -3142,7 +3144,7 @@
             <a:fld id="{1D8BD707-D9CF-40AE-B4C6-C98DA3205C09}" type="datetimeFigureOut">
               <a:rPr lang="en-US" smtClean="0"/>
               <a:pPr/>
-              <a:t>4/29/15</a:t>
+              <a:t>4/29/2015</a:t>
             </a:fld>
             <a:endParaRPr lang="en-US"/>
           </a:p>
@@ -3797,7 +3799,7 @@
     </p:spTree>
     <p:extLst>
       <p:ext uri="{BB962C8B-B14F-4D97-AF65-F5344CB8AC3E}">
-        <p14:creationId xmlns:p14="http://schemas.microsoft.com/office/powerpoint/2010/main" val="894488005"/>
+        <p14:creationId xmlns:p14="http://schemas.microsoft.com/office/powerpoint/2010/main" xmlns="" val="894488005"/>
       </p:ext>
     </p:extLst>
   </p:cSld>
@@ -3896,7 +3898,7 @@
     </p:spTree>
     <p:extLst>
       <p:ext uri="{BB962C8B-B14F-4D97-AF65-F5344CB8AC3E}">
-        <p14:creationId xmlns:p14="http://schemas.microsoft.com/office/powerpoint/2010/main" val="1468353958"/>
+        <p14:creationId xmlns:p14="http://schemas.microsoft.com/office/powerpoint/2010/main" xmlns="" val="1468353958"/>
       </p:ext>
     </p:extLst>
   </p:cSld>
@@ -3977,10 +3979,36 @@
           </a:p>
         </p:txBody>
       </p:sp>
+      <p:pic>
+        <p:nvPicPr>
+          <p:cNvPr id="1026" name="Picture 2" descr="C:\Users\Aditya\Desktop\ast.PNG"/>
+          <p:cNvPicPr>
+            <a:picLocks noChangeAspect="1" noChangeArrowheads="1"/>
+          </p:cNvPicPr>
+          <p:nvPr/>
+        </p:nvPicPr>
+        <p:blipFill>
+          <a:blip r:embed="rId2" cstate="print"/>
+          <a:srcRect/>
+          <a:stretch>
+            <a:fillRect/>
+          </a:stretch>
+        </p:blipFill>
+        <p:spPr bwMode="auto">
+          <a:xfrm>
+            <a:off x="2819400" y="1219200"/>
+            <a:ext cx="3780800" cy="5181600"/>
+          </a:xfrm>
+          <a:prstGeom prst="rect">
+            <a:avLst/>
+          </a:prstGeom>
+          <a:noFill/>
+        </p:spPr>
+      </p:pic>
     </p:spTree>
     <p:extLst>
       <p:ext uri="{BB962C8B-B14F-4D97-AF65-F5344CB8AC3E}">
-        <p14:creationId xmlns:p14="http://schemas.microsoft.com/office/powerpoint/2010/main" val="2925899430"/>
+        <p14:creationId xmlns:p14="http://schemas.microsoft.com/office/powerpoint/2010/main" xmlns="" val="2925899430"/>
       </p:ext>
     </p:extLst>
   </p:cSld>
@@ -4083,7 +4111,7 @@
     </p:spTree>
     <p:extLst>
       <p:ext uri="{BB962C8B-B14F-4D97-AF65-F5344CB8AC3E}">
-        <p14:creationId xmlns:p14="http://schemas.microsoft.com/office/powerpoint/2010/main" val="2367939261"/>
+        <p14:creationId xmlns:p14="http://schemas.microsoft.com/office/powerpoint/2010/main" xmlns="" val="2367939261"/>
       </p:ext>
     </p:extLst>
   </p:cSld>
@@ -4187,7 +4215,7 @@
     </p:spTree>
     <p:extLst>
       <p:ext uri="{BB962C8B-B14F-4D97-AF65-F5344CB8AC3E}">
-        <p14:creationId xmlns:p14="http://schemas.microsoft.com/office/powerpoint/2010/main" val="4083914937"/>
+        <p14:creationId xmlns:p14="http://schemas.microsoft.com/office/powerpoint/2010/main" xmlns="" val="4083914937"/>
       </p:ext>
     </p:extLst>
   </p:cSld>
@@ -4299,7 +4327,7 @@
     </p:spTree>
     <p:extLst>
       <p:ext uri="{BB962C8B-B14F-4D97-AF65-F5344CB8AC3E}">
-        <p14:creationId xmlns:p14="http://schemas.microsoft.com/office/powerpoint/2010/main" val="584958074"/>
+        <p14:creationId xmlns:p14="http://schemas.microsoft.com/office/powerpoint/2010/main" xmlns="" val="584958074"/>
       </p:ext>
     </p:extLst>
   </p:cSld>
@@ -4388,22 +4416,13 @@
             </a:r>
             <a:r>
               <a:rPr lang="en-US" dirty="0" smtClean="0"/>
-              <a:t> to maintain the environment, symbol table and activatio</a:t>
-            </a:r>
+              <a:t> to maintain the environment, symbol table and activation records</a:t>
+            </a:r>
+          </a:p>
+          <a:p>
             <a:r>
               <a:rPr lang="en-US" dirty="0" smtClean="0"/>
-              <a:t>n records</a:t>
-            </a:r>
-            <a:endParaRPr lang="en-US" dirty="0" smtClean="0"/>
-          </a:p>
-          <a:p>
-            <a:r>
-              <a:rPr lang="en-US" dirty="0" smtClean="0"/>
-              <a:t>A </a:t>
-            </a:r>
-            <a:r>
-              <a:rPr lang="en-US" dirty="0" smtClean="0"/>
-              <a:t>symbol table is a data structure used by a compiler where each identifier in a program's source code is associated with information relating to its declaration or appearance in the source, such as its type, scope level and sometimes its location.</a:t>
+              <a:t>A symbol table is a data structure used by a compiler where each identifier in a program's source code is associated with information relating to its declaration or appearance in the source, such as its type, scope level and sometimes its location.</a:t>
             </a:r>
           </a:p>
           <a:p>
@@ -4428,7 +4447,7 @@
     </p:spTree>
     <p:extLst>
       <p:ext uri="{BB962C8B-B14F-4D97-AF65-F5344CB8AC3E}">
-        <p14:creationId xmlns:p14="http://schemas.microsoft.com/office/powerpoint/2010/main" val="2920234752"/>
+        <p14:creationId xmlns:p14="http://schemas.microsoft.com/office/powerpoint/2010/main" xmlns="" val="2920234752"/>
       </p:ext>
     </p:extLst>
   </p:cSld>
